--- a/lessflow/insight.pptx
+++ b/lessflow/insight.pptx
@@ -261,7 +261,7 @@
           <a:p>
             <a:fld id="{379E610F-F5DF-C54C-8E0A-C4D5B2664E8E}" type="datetimeFigureOut">
               <a:rPr kumimoji="1" lang="zh-SG" altLang="en-US" smtClean="0"/>
-              <a:t>21/02/24</a:t>
+              <a:t>22/02/24</a:t>
             </a:fld>
             <a:endParaRPr kumimoji="1" lang="zh-SG" altLang="en-US"/>
           </a:p>
@@ -461,7 +461,7 @@
           <a:p>
             <a:fld id="{379E610F-F5DF-C54C-8E0A-C4D5B2664E8E}" type="datetimeFigureOut">
               <a:rPr kumimoji="1" lang="zh-SG" altLang="en-US" smtClean="0"/>
-              <a:t>21/02/24</a:t>
+              <a:t>22/02/24</a:t>
             </a:fld>
             <a:endParaRPr kumimoji="1" lang="zh-SG" altLang="en-US"/>
           </a:p>
@@ -671,7 +671,7 @@
           <a:p>
             <a:fld id="{379E610F-F5DF-C54C-8E0A-C4D5B2664E8E}" type="datetimeFigureOut">
               <a:rPr kumimoji="1" lang="zh-SG" altLang="en-US" smtClean="0"/>
-              <a:t>21/02/24</a:t>
+              <a:t>22/02/24</a:t>
             </a:fld>
             <a:endParaRPr kumimoji="1" lang="zh-SG" altLang="en-US"/>
           </a:p>
@@ -871,7 +871,7 @@
           <a:p>
             <a:fld id="{379E610F-F5DF-C54C-8E0A-C4D5B2664E8E}" type="datetimeFigureOut">
               <a:rPr kumimoji="1" lang="zh-SG" altLang="en-US" smtClean="0"/>
-              <a:t>21/02/24</a:t>
+              <a:t>22/02/24</a:t>
             </a:fld>
             <a:endParaRPr kumimoji="1" lang="zh-SG" altLang="en-US"/>
           </a:p>
@@ -1147,7 +1147,7 @@
           <a:p>
             <a:fld id="{379E610F-F5DF-C54C-8E0A-C4D5B2664E8E}" type="datetimeFigureOut">
               <a:rPr kumimoji="1" lang="zh-SG" altLang="en-US" smtClean="0"/>
-              <a:t>21/02/24</a:t>
+              <a:t>22/02/24</a:t>
             </a:fld>
             <a:endParaRPr kumimoji="1" lang="zh-SG" altLang="en-US"/>
           </a:p>
@@ -1415,7 +1415,7 @@
           <a:p>
             <a:fld id="{379E610F-F5DF-C54C-8E0A-C4D5B2664E8E}" type="datetimeFigureOut">
               <a:rPr kumimoji="1" lang="zh-SG" altLang="en-US" smtClean="0"/>
-              <a:t>21/02/24</a:t>
+              <a:t>22/02/24</a:t>
             </a:fld>
             <a:endParaRPr kumimoji="1" lang="zh-SG" altLang="en-US"/>
           </a:p>
@@ -1830,7 +1830,7 @@
           <a:p>
             <a:fld id="{379E610F-F5DF-C54C-8E0A-C4D5B2664E8E}" type="datetimeFigureOut">
               <a:rPr kumimoji="1" lang="zh-SG" altLang="en-US" smtClean="0"/>
-              <a:t>21/02/24</a:t>
+              <a:t>22/02/24</a:t>
             </a:fld>
             <a:endParaRPr kumimoji="1" lang="zh-SG" altLang="en-US"/>
           </a:p>
@@ -1972,7 +1972,7 @@
           <a:p>
             <a:fld id="{379E610F-F5DF-C54C-8E0A-C4D5B2664E8E}" type="datetimeFigureOut">
               <a:rPr kumimoji="1" lang="zh-SG" altLang="en-US" smtClean="0"/>
-              <a:t>21/02/24</a:t>
+              <a:t>22/02/24</a:t>
             </a:fld>
             <a:endParaRPr kumimoji="1" lang="zh-SG" altLang="en-US"/>
           </a:p>
@@ -2085,7 +2085,7 @@
           <a:p>
             <a:fld id="{379E610F-F5DF-C54C-8E0A-C4D5B2664E8E}" type="datetimeFigureOut">
               <a:rPr kumimoji="1" lang="zh-SG" altLang="en-US" smtClean="0"/>
-              <a:t>21/02/24</a:t>
+              <a:t>22/02/24</a:t>
             </a:fld>
             <a:endParaRPr kumimoji="1" lang="zh-SG" altLang="en-US"/>
           </a:p>
@@ -2398,7 +2398,7 @@
           <a:p>
             <a:fld id="{379E610F-F5DF-C54C-8E0A-C4D5B2664E8E}" type="datetimeFigureOut">
               <a:rPr kumimoji="1" lang="zh-SG" altLang="en-US" smtClean="0"/>
-              <a:t>21/02/24</a:t>
+              <a:t>22/02/24</a:t>
             </a:fld>
             <a:endParaRPr kumimoji="1" lang="zh-SG" altLang="en-US"/>
           </a:p>
@@ -2687,7 +2687,7 @@
           <a:p>
             <a:fld id="{379E610F-F5DF-C54C-8E0A-C4D5B2664E8E}" type="datetimeFigureOut">
               <a:rPr kumimoji="1" lang="zh-SG" altLang="en-US" smtClean="0"/>
-              <a:t>21/02/24</a:t>
+              <a:t>22/02/24</a:t>
             </a:fld>
             <a:endParaRPr kumimoji="1" lang="zh-SG" altLang="en-US"/>
           </a:p>
@@ -2930,7 +2930,7 @@
           <a:p>
             <a:fld id="{379E610F-F5DF-C54C-8E0A-C4D5B2664E8E}" type="datetimeFigureOut">
               <a:rPr kumimoji="1" lang="zh-SG" altLang="en-US" smtClean="0"/>
-              <a:t>21/02/24</a:t>
+              <a:t>22/02/24</a:t>
             </a:fld>
             <a:endParaRPr kumimoji="1" lang="zh-SG" altLang="en-US"/>
           </a:p>
@@ -3659,8 +3659,8 @@
         </p:nvSpPr>
         <p:spPr>
           <a:xfrm rot="10800000">
-            <a:off x="1527581" y="2061857"/>
-            <a:ext cx="461665" cy="2254784"/>
+            <a:off x="1527581" y="2190098"/>
+            <a:ext cx="461665" cy="1998304"/>
           </a:xfrm>
           <a:prstGeom prst="rect">
             <a:avLst/>
@@ -3674,7 +3674,7 @@
           <a:lstStyle/>
           <a:p>
             <a:r>
-              <a:rPr lang="en-SG" altLang="zh-SG" b="0" i="0" u="none" strike="noStrike" dirty="0">
+              <a:rPr lang="en-US" altLang="zh-CN" b="0" i="0" u="none" strike="noStrike" dirty="0">
                 <a:solidFill>
                   <a:srgbClr val="101214"/>
                 </a:solidFill>
@@ -3682,7 +3682,29 @@
                 <a:latin typeface="PingFang SC" panose="020B0400000000000000" pitchFamily="34" charset="-122"/>
                 <a:ea typeface="PingFang SC" panose="020B0400000000000000" pitchFamily="34" charset="-122"/>
               </a:rPr>
-              <a:t>Out of order effects</a:t>
+              <a:t>Reorder</a:t>
+            </a:r>
+            <a:r>
+              <a:rPr lang="zh-CN" altLang="en-US" b="0" i="0" u="none" strike="noStrike" dirty="0">
+                <a:solidFill>
+                  <a:srgbClr val="101214"/>
+                </a:solidFill>
+                <a:effectLst/>
+                <a:latin typeface="PingFang SC" panose="020B0400000000000000" pitchFamily="34" charset="-122"/>
+                <a:ea typeface="PingFang SC" panose="020B0400000000000000" pitchFamily="34" charset="-122"/>
+              </a:rPr>
+              <a:t> </a:t>
+            </a:r>
+            <a:r>
+              <a:rPr lang="en-US" altLang="zh-CN" b="0" i="0" u="none" strike="noStrike" dirty="0">
+                <a:solidFill>
+                  <a:srgbClr val="101214"/>
+                </a:solidFill>
+                <a:effectLst/>
+                <a:latin typeface="PingFang SC" panose="020B0400000000000000" pitchFamily="34" charset="-122"/>
+                <a:ea typeface="PingFang SC" panose="020B0400000000000000" pitchFamily="34" charset="-122"/>
+              </a:rPr>
+              <a:t>overhead</a:t>
             </a:r>
             <a:endParaRPr kumimoji="1" lang="zh-SG" altLang="en-US" dirty="0"/>
           </a:p>
@@ -3768,7 +3790,7 @@
         <p:spPr>
           <a:xfrm>
             <a:off x="2689124" y="1934693"/>
-            <a:ext cx="2328907" cy="584775"/>
+            <a:ext cx="2289858" cy="584775"/>
           </a:xfrm>
           <a:prstGeom prst="rect">
             <a:avLst/>
@@ -3801,7 +3823,7 @@
                   <a:srgbClr val="FF5958"/>
                 </a:solidFill>
               </a:rPr>
-              <a:t>High</a:t>
+              <a:t>Out-of-order</a:t>
             </a:r>
             <a:r>
               <a:rPr kumimoji="1" lang="zh-CN" altLang="en-US" sz="1600" dirty="0">
@@ -3817,7 +3839,7 @@
                   <a:srgbClr val="FF5958"/>
                 </a:solidFill>
               </a:rPr>
-              <a:t>out</a:t>
+              <a:t>delivery</a:t>
             </a:r>
             <a:r>
               <a:rPr kumimoji="1" lang="zh-CN" altLang="en-US" sz="1600" dirty="0">
@@ -3833,39 +3855,7 @@
                   <a:srgbClr val="FF5958"/>
                 </a:solidFill>
               </a:rPr>
-              <a:t>of</a:t>
-            </a:r>
-            <a:r>
-              <a:rPr kumimoji="1" lang="zh-CN" altLang="en-US" sz="1600" dirty="0">
-                <a:solidFill>
-                  <a:srgbClr val="FF5958"/>
-                </a:solidFill>
-              </a:rPr>
-              <a:t> </a:t>
-            </a:r>
-            <a:r>
-              <a:rPr kumimoji="1" lang="en-US" altLang="zh-CN" sz="1600" dirty="0">
-                <a:solidFill>
-                  <a:srgbClr val="FF5958"/>
-                </a:solidFill>
-              </a:rPr>
-              <a:t>order</a:t>
-            </a:r>
-            <a:r>
-              <a:rPr kumimoji="1" lang="zh-CN" altLang="en-US" sz="1600" dirty="0">
-                <a:solidFill>
-                  <a:srgbClr val="FF5958"/>
-                </a:solidFill>
-              </a:rPr>
-              <a:t> </a:t>
-            </a:r>
-            <a:r>
-              <a:rPr kumimoji="1" lang="en-US" altLang="zh-CN" sz="1600" dirty="0">
-                <a:solidFill>
-                  <a:srgbClr val="FF5958"/>
-                </a:solidFill>
-              </a:rPr>
-              <a:t>delivery</a:t>
+              <a:t>risk</a:t>
             </a:r>
           </a:p>
         </p:txBody>

--- a/lessflow/insight.pptx
+++ b/lessflow/insight.pptx
@@ -261,7 +261,7 @@
           <a:p>
             <a:fld id="{379E610F-F5DF-C54C-8E0A-C4D5B2664E8E}" type="datetimeFigureOut">
               <a:rPr kumimoji="1" lang="zh-SG" altLang="en-US" smtClean="0"/>
-              <a:t>22/02/24</a:t>
+              <a:t>04/03/24</a:t>
             </a:fld>
             <a:endParaRPr kumimoji="1" lang="zh-SG" altLang="en-US"/>
           </a:p>
@@ -461,7 +461,7 @@
           <a:p>
             <a:fld id="{379E610F-F5DF-C54C-8E0A-C4D5B2664E8E}" type="datetimeFigureOut">
               <a:rPr kumimoji="1" lang="zh-SG" altLang="en-US" smtClean="0"/>
-              <a:t>22/02/24</a:t>
+              <a:t>04/03/24</a:t>
             </a:fld>
             <a:endParaRPr kumimoji="1" lang="zh-SG" altLang="en-US"/>
           </a:p>
@@ -671,7 +671,7 @@
           <a:p>
             <a:fld id="{379E610F-F5DF-C54C-8E0A-C4D5B2664E8E}" type="datetimeFigureOut">
               <a:rPr kumimoji="1" lang="zh-SG" altLang="en-US" smtClean="0"/>
-              <a:t>22/02/24</a:t>
+              <a:t>04/03/24</a:t>
             </a:fld>
             <a:endParaRPr kumimoji="1" lang="zh-SG" altLang="en-US"/>
           </a:p>
@@ -871,7 +871,7 @@
           <a:p>
             <a:fld id="{379E610F-F5DF-C54C-8E0A-C4D5B2664E8E}" type="datetimeFigureOut">
               <a:rPr kumimoji="1" lang="zh-SG" altLang="en-US" smtClean="0"/>
-              <a:t>22/02/24</a:t>
+              <a:t>04/03/24</a:t>
             </a:fld>
             <a:endParaRPr kumimoji="1" lang="zh-SG" altLang="en-US"/>
           </a:p>
@@ -1147,7 +1147,7 @@
           <a:p>
             <a:fld id="{379E610F-F5DF-C54C-8E0A-C4D5B2664E8E}" type="datetimeFigureOut">
               <a:rPr kumimoji="1" lang="zh-SG" altLang="en-US" smtClean="0"/>
-              <a:t>22/02/24</a:t>
+              <a:t>04/03/24</a:t>
             </a:fld>
             <a:endParaRPr kumimoji="1" lang="zh-SG" altLang="en-US"/>
           </a:p>
@@ -1415,7 +1415,7 @@
           <a:p>
             <a:fld id="{379E610F-F5DF-C54C-8E0A-C4D5B2664E8E}" type="datetimeFigureOut">
               <a:rPr kumimoji="1" lang="zh-SG" altLang="en-US" smtClean="0"/>
-              <a:t>22/02/24</a:t>
+              <a:t>04/03/24</a:t>
             </a:fld>
             <a:endParaRPr kumimoji="1" lang="zh-SG" altLang="en-US"/>
           </a:p>
@@ -1830,7 +1830,7 @@
           <a:p>
             <a:fld id="{379E610F-F5DF-C54C-8E0A-C4D5B2664E8E}" type="datetimeFigureOut">
               <a:rPr kumimoji="1" lang="zh-SG" altLang="en-US" smtClean="0"/>
-              <a:t>22/02/24</a:t>
+              <a:t>04/03/24</a:t>
             </a:fld>
             <a:endParaRPr kumimoji="1" lang="zh-SG" altLang="en-US"/>
           </a:p>
@@ -1972,7 +1972,7 @@
           <a:p>
             <a:fld id="{379E610F-F5DF-C54C-8E0A-C4D5B2664E8E}" type="datetimeFigureOut">
               <a:rPr kumimoji="1" lang="zh-SG" altLang="en-US" smtClean="0"/>
-              <a:t>22/02/24</a:t>
+              <a:t>04/03/24</a:t>
             </a:fld>
             <a:endParaRPr kumimoji="1" lang="zh-SG" altLang="en-US"/>
           </a:p>
@@ -2085,7 +2085,7 @@
           <a:p>
             <a:fld id="{379E610F-F5DF-C54C-8E0A-C4D5B2664E8E}" type="datetimeFigureOut">
               <a:rPr kumimoji="1" lang="zh-SG" altLang="en-US" smtClean="0"/>
-              <a:t>22/02/24</a:t>
+              <a:t>04/03/24</a:t>
             </a:fld>
             <a:endParaRPr kumimoji="1" lang="zh-SG" altLang="en-US"/>
           </a:p>
@@ -2398,7 +2398,7 @@
           <a:p>
             <a:fld id="{379E610F-F5DF-C54C-8E0A-C4D5B2664E8E}" type="datetimeFigureOut">
               <a:rPr kumimoji="1" lang="zh-SG" altLang="en-US" smtClean="0"/>
-              <a:t>22/02/24</a:t>
+              <a:t>04/03/24</a:t>
             </a:fld>
             <a:endParaRPr kumimoji="1" lang="zh-SG" altLang="en-US"/>
           </a:p>
@@ -2687,7 +2687,7 @@
           <a:p>
             <a:fld id="{379E610F-F5DF-C54C-8E0A-C4D5B2664E8E}" type="datetimeFigureOut">
               <a:rPr kumimoji="1" lang="zh-SG" altLang="en-US" smtClean="0"/>
-              <a:t>22/02/24</a:t>
+              <a:t>04/03/24</a:t>
             </a:fld>
             <a:endParaRPr kumimoji="1" lang="zh-SG" altLang="en-US"/>
           </a:p>
@@ -2930,7 +2930,7 @@
           <a:p>
             <a:fld id="{379E610F-F5DF-C54C-8E0A-C4D5B2664E8E}" type="datetimeFigureOut">
               <a:rPr kumimoji="1" lang="zh-SG" altLang="en-US" smtClean="0"/>
-              <a:t>22/02/24</a:t>
+              <a:t>04/03/24</a:t>
             </a:fld>
             <a:endParaRPr kumimoji="1" lang="zh-SG" altLang="en-US"/>
           </a:p>
@@ -4383,7 +4383,7 @@
         <p:spPr>
           <a:xfrm>
             <a:off x="2562399" y="2701147"/>
-            <a:ext cx="2030236" cy="1077218"/>
+            <a:ext cx="2640916" cy="1077218"/>
           </a:xfrm>
           <a:prstGeom prst="rect">
             <a:avLst/>
@@ -4409,7 +4409,15 @@
                   <a:srgbClr val="5AC77A"/>
                 </a:solidFill>
               </a:rPr>
-              <a:t>Small</a:t>
+              <a:t>Intra-</a:t>
+            </a:r>
+            <a:r>
+              <a:rPr kumimoji="1" lang="en-US" altLang="zh-CN" sz="1600" dirty="0" err="1">
+                <a:solidFill>
+                  <a:srgbClr val="5AC77A"/>
+                </a:solidFill>
+              </a:rPr>
+              <a:t>LessFLow</a:t>
             </a:r>
             <a:r>
               <a:rPr kumimoji="1" lang="zh-CN" altLang="en-US" sz="1600" dirty="0">
@@ -4425,7 +4433,23 @@
                   <a:srgbClr val="5AC77A"/>
                 </a:solidFill>
               </a:rPr>
-              <a:t>messages</a:t>
+              <a:t>order</a:t>
+            </a:r>
+            <a:r>
+              <a:rPr kumimoji="1" lang="zh-CN" altLang="en-US" sz="1600" dirty="0">
+                <a:solidFill>
+                  <a:srgbClr val="5AC77A"/>
+                </a:solidFill>
+              </a:rPr>
+              <a:t> </a:t>
+            </a:r>
+            <a:r>
+              <a:rPr kumimoji="1" lang="en-US" altLang="zh-CN" sz="1600" dirty="0">
+                <a:solidFill>
+                  <a:srgbClr val="5AC77A"/>
+                </a:solidFill>
+              </a:rPr>
+              <a:t>delivery</a:t>
             </a:r>
           </a:p>
           <a:p>
